--- a/Presentation Template - Task 2.pptx
+++ b/Presentation Template - Task 2.pptx
@@ -3942,8 +3942,56 @@
         </p:blipFill>
         <p:spPr>
           <a:xfrm>
-            <a:off x="496389" y="3252651"/>
-            <a:ext cx="11312434" cy="3605349"/>
+            <a:off x="7153834" y="4293017"/>
+            <a:ext cx="5038165" cy="2667811"/>
+          </a:xfrm>
+          <a:prstGeom prst="rect">
+            <a:avLst/>
+          </a:prstGeom>
+        </p:spPr>
+      </p:pic>
+      <p:pic>
+        <p:nvPicPr>
+          <p:cNvPr id="4" name="Picture 3"/>
+          <p:cNvPicPr>
+            <a:picLocks noChangeAspect="1"/>
+          </p:cNvPicPr>
+          <p:nvPr/>
+        </p:nvPicPr>
+        <p:blipFill>
+          <a:blip r:embed="rId3"/>
+          <a:stretch>
+            <a:fillRect/>
+          </a:stretch>
+        </p:blipFill>
+        <p:spPr>
+          <a:xfrm>
+            <a:off x="7153835" y="3346780"/>
+            <a:ext cx="5038165" cy="946237"/>
+          </a:xfrm>
+          <a:prstGeom prst="rect">
+            <a:avLst/>
+          </a:prstGeom>
+        </p:spPr>
+      </p:pic>
+      <p:pic>
+        <p:nvPicPr>
+          <p:cNvPr id="6" name="Picture 5"/>
+          <p:cNvPicPr>
+            <a:picLocks noChangeAspect="1"/>
+          </p:cNvPicPr>
+          <p:nvPr/>
+        </p:nvPicPr>
+        <p:blipFill>
+          <a:blip r:embed="rId4"/>
+          <a:stretch>
+            <a:fillRect/>
+          </a:stretch>
+        </p:blipFill>
+        <p:spPr>
+          <a:xfrm>
+            <a:off x="0" y="3346780"/>
+            <a:ext cx="7027817" cy="3255252"/>
           </a:xfrm>
           <a:prstGeom prst="rect">
             <a:avLst/>
